--- a/lectures/mini_django.pptx
+++ b/lectures/mini_django.pptx
@@ -8509,8 +8509,32 @@
           <a:p>
             <a:r>
               <a:rPr lang="en-US" dirty="0"/>
-              <a:t>Follow the README instructions</a:t>
-            </a:r>
+              <a:t>Follow the README instructions to install and run</a:t>
+            </a:r>
+          </a:p>
+          <a:p>
+            <a:pPr lvl="1"/>
+            <a:r>
+              <a:rPr lang="en-US" dirty="0"/>
+              <a:t>python </a:t>
+            </a:r>
+            <a:r>
+              <a:rPr lang="en-US" dirty="0" err="1"/>
+              <a:t>runserver.py</a:t>
+            </a:r>
+            <a:endParaRPr lang="en-US" dirty="0"/>
+          </a:p>
+          <a:p>
+            <a:pPr lvl="1"/>
+            <a:r>
+              <a:rPr lang="en-US" dirty="0"/>
+              <a:t>Navigate to http</a:t>
+            </a:r>
+            <a:r>
+              <a:rPr lang="en-US"/>
+              <a:t>://localhost:9000</a:t>
+            </a:r>
+            <a:endParaRPr lang="en-US" dirty="0"/>
           </a:p>
           <a:p>
             <a:endParaRPr lang="en-US" dirty="0"/>

--- a/lectures/mini_django.pptx
+++ b/lectures/mini_django.pptx
@@ -3330,10 +3330,15 @@
             <p:ph type="subTitle" idx="1"/>
           </p:nvPr>
         </p:nvSpPr>
-        <p:spPr/>
+        <p:spPr>
+          <a:xfrm>
+            <a:off x="1524000" y="3602037"/>
+            <a:ext cx="9144000" cy="2255423"/>
+          </a:xfrm>
+        </p:spPr>
         <p:txBody>
           <a:bodyPr>
-            <a:normAutofit lnSpcReduction="10000"/>
+            <a:normAutofit/>
           </a:bodyPr>
           <a:lstStyle/>
           <a:p>
@@ -3372,6 +3377,17 @@
               <a:rPr lang="en-US" dirty="0"/>
               <a:t>/</a:t>
             </a:r>
+          </a:p>
+          <a:p>
+            <a:r>
+              <a:rPr lang="en-US" dirty="0"/>
+              <a:t>http://www.dj4e.com/lectures/</a:t>
+            </a:r>
+            <a:r>
+              <a:rPr lang="en-US" dirty="0" err="1"/>
+              <a:t>mini_django.pptx</a:t>
+            </a:r>
+            <a:endParaRPr lang="en-US" dirty="0"/>
           </a:p>
         </p:txBody>
       </p:sp>
